--- a/visionXplorer ppt files/visionXplorer.pptx
+++ b/visionXplorer ppt files/visionXplorer.pptx
@@ -207,7 +207,7 @@
           <a:p>
             <a:fld id="{90C61749-E9B1-4585-88E5-B9C430F5F061}" type="datetimeFigureOut">
               <a:rPr lang="en-US" smtClean="0"/>
-              <a:t>25-Oct-23</a:t>
+              <a:t>19-Nov-23</a:t>
             </a:fld>
             <a:endParaRPr lang="en-US"/>
           </a:p>
@@ -839,7 +839,7 @@
           <a:p>
             <a:fld id="{965DCD5F-7DAF-4FE9-8EAD-690011DE767E}" type="datetimeFigureOut">
               <a:rPr lang="en-US" smtClean="0"/>
-              <a:t>25-Oct-23</a:t>
+              <a:t>19-Nov-23</a:t>
             </a:fld>
             <a:endParaRPr lang="en-US"/>
           </a:p>
@@ -1037,7 +1037,7 @@
           <a:p>
             <a:fld id="{965DCD5F-7DAF-4FE9-8EAD-690011DE767E}" type="datetimeFigureOut">
               <a:rPr lang="en-US" smtClean="0"/>
-              <a:t>25-Oct-23</a:t>
+              <a:t>19-Nov-23</a:t>
             </a:fld>
             <a:endParaRPr lang="en-US"/>
           </a:p>
@@ -1245,7 +1245,7 @@
           <a:p>
             <a:fld id="{965DCD5F-7DAF-4FE9-8EAD-690011DE767E}" type="datetimeFigureOut">
               <a:rPr lang="en-US" smtClean="0"/>
-              <a:t>25-Oct-23</a:t>
+              <a:t>19-Nov-23</a:t>
             </a:fld>
             <a:endParaRPr lang="en-US"/>
           </a:p>
@@ -1689,7 +1689,7 @@
           <a:p>
             <a:fld id="{965DCD5F-7DAF-4FE9-8EAD-690011DE767E}" type="datetimeFigureOut">
               <a:rPr lang="en-US" smtClean="0"/>
-              <a:t>25-Oct-23</a:t>
+              <a:t>19-Nov-23</a:t>
             </a:fld>
             <a:endParaRPr lang="en-US"/>
           </a:p>
@@ -1964,7 +1964,7 @@
           <a:p>
             <a:fld id="{965DCD5F-7DAF-4FE9-8EAD-690011DE767E}" type="datetimeFigureOut">
               <a:rPr lang="en-US" smtClean="0"/>
-              <a:t>25-Oct-23</a:t>
+              <a:t>19-Nov-23</a:t>
             </a:fld>
             <a:endParaRPr lang="en-US"/>
           </a:p>
@@ -2229,7 +2229,7 @@
           <a:p>
             <a:fld id="{965DCD5F-7DAF-4FE9-8EAD-690011DE767E}" type="datetimeFigureOut">
               <a:rPr lang="en-US" smtClean="0"/>
-              <a:t>25-Oct-23</a:t>
+              <a:t>19-Nov-23</a:t>
             </a:fld>
             <a:endParaRPr lang="en-US"/>
           </a:p>
@@ -2641,7 +2641,7 @@
           <a:p>
             <a:fld id="{965DCD5F-7DAF-4FE9-8EAD-690011DE767E}" type="datetimeFigureOut">
               <a:rPr lang="en-US" smtClean="0"/>
-              <a:t>25-Oct-23</a:t>
+              <a:t>19-Nov-23</a:t>
             </a:fld>
             <a:endParaRPr lang="en-US"/>
           </a:p>
@@ -2782,7 +2782,7 @@
           <a:p>
             <a:fld id="{965DCD5F-7DAF-4FE9-8EAD-690011DE767E}" type="datetimeFigureOut">
               <a:rPr lang="en-US" smtClean="0"/>
-              <a:t>25-Oct-23</a:t>
+              <a:t>19-Nov-23</a:t>
             </a:fld>
             <a:endParaRPr lang="en-US"/>
           </a:p>
@@ -2895,7 +2895,7 @@
           <a:p>
             <a:fld id="{965DCD5F-7DAF-4FE9-8EAD-690011DE767E}" type="datetimeFigureOut">
               <a:rPr lang="en-US" smtClean="0"/>
-              <a:t>25-Oct-23</a:t>
+              <a:t>19-Nov-23</a:t>
             </a:fld>
             <a:endParaRPr lang="en-US"/>
           </a:p>
@@ -3206,7 +3206,7 @@
           <a:p>
             <a:fld id="{965DCD5F-7DAF-4FE9-8EAD-690011DE767E}" type="datetimeFigureOut">
               <a:rPr lang="en-US" smtClean="0"/>
-              <a:t>25-Oct-23</a:t>
+              <a:t>19-Nov-23</a:t>
             </a:fld>
             <a:endParaRPr lang="en-US"/>
           </a:p>
@@ -3494,7 +3494,7 @@
           <a:p>
             <a:fld id="{965DCD5F-7DAF-4FE9-8EAD-690011DE767E}" type="datetimeFigureOut">
               <a:rPr lang="en-US" smtClean="0"/>
-              <a:t>25-Oct-23</a:t>
+              <a:t>19-Nov-23</a:t>
             </a:fld>
             <a:endParaRPr lang="en-US"/>
           </a:p>
@@ -3735,7 +3735,7 @@
           <a:p>
             <a:fld id="{965DCD5F-7DAF-4FE9-8EAD-690011DE767E}" type="datetimeFigureOut">
               <a:rPr lang="en-US" smtClean="0"/>
-              <a:t>25-Oct-23</a:t>
+              <a:t>19-Nov-23</a:t>
             </a:fld>
             <a:endParaRPr lang="en-US"/>
           </a:p>
@@ -4689,7 +4689,7 @@
         <p:spPr>
           <a:xfrm>
             <a:off x="6314210" y="3871277"/>
-            <a:ext cx="2741097" cy="954107"/>
+            <a:ext cx="2741097" cy="276999"/>
           </a:xfrm>
           <a:prstGeom prst="rect">
             <a:avLst/>
@@ -4703,7 +4703,7 @@
           <a:lstStyle/>
           <a:p>
             <a:r>
-              <a:rPr lang="en-US" sz="2400" dirty="0" err="1">
+              <a:rPr lang="en-US" sz="1200" dirty="0" err="1">
                 <a:solidFill>
                   <a:srgbClr val="29E8B2"/>
                 </a:solidFill>
@@ -4711,29 +4711,9 @@
               </a:rPr>
               <a:t>Labeeb</a:t>
             </a:r>
-            <a:r>
-              <a:rPr lang="en-US" sz="2400" dirty="0">
-                <a:solidFill>
-                  <a:srgbClr val="29E8B2"/>
-                </a:solidFill>
-                <a:latin typeface="Agency FB" panose="020B0503020202020204" pitchFamily="34" charset="0"/>
-              </a:rPr>
-              <a:t> Ahmed</a:t>
-            </a:r>
-          </a:p>
-          <a:p>
-            <a:r>
-              <a:rPr lang="en-US" sz="3200" b="1" dirty="0">
-                <a:solidFill>
-                  <a:srgbClr val="2D9A9D"/>
-                </a:solidFill>
-                <a:latin typeface="Agency FB" panose="020B0503020202020204" pitchFamily="34" charset="0"/>
-              </a:rPr>
-              <a:t>Designer</a:t>
-            </a:r>
-            <a:endParaRPr lang="en-US" sz="2400" b="1" dirty="0">
+            <a:endParaRPr lang="en-US" sz="1200" dirty="0">
               <a:solidFill>
-                <a:srgbClr val="2D9A9D"/>
+                <a:srgbClr val="29E8B2"/>
               </a:solidFill>
               <a:latin typeface="Agency FB" panose="020B0503020202020204" pitchFamily="34" charset="0"/>
             </a:endParaRPr>
@@ -4801,7 +4781,7 @@
                 </a:solidFill>
                 <a:latin typeface="Agency FB" panose="020B0503020202020204" pitchFamily="34" charset="0"/>
               </a:rPr>
-              <a:t>Project Manager</a:t>
+              <a:t>Project Supervisor</a:t>
             </a:r>
           </a:p>
           <a:p>
@@ -4812,17 +4792,14 @@
                 </a:solidFill>
                 <a:latin typeface="Agency FB" panose="020B0503020202020204" pitchFamily="34" charset="0"/>
               </a:rPr>
-              <a:t>UI</a:t>
+              <a:t>UI developer</a:t>
             </a:r>
-            <a:r>
-              <a:rPr lang="en-US" sz="2400" b="1" dirty="0">
-                <a:solidFill>
-                  <a:srgbClr val="2D9A9D"/>
-                </a:solidFill>
-                <a:latin typeface="Agency FB" panose="020B0503020202020204" pitchFamily="34" charset="0"/>
-              </a:rPr>
-              <a:t> developer</a:t>
-            </a:r>
+            <a:endParaRPr lang="en-US" sz="2400" b="1" dirty="0">
+              <a:solidFill>
+                <a:srgbClr val="2D9A9D"/>
+              </a:solidFill>
+              <a:latin typeface="Agency FB" panose="020B0503020202020204" pitchFamily="34" charset="0"/>
+            </a:endParaRPr>
           </a:p>
         </p:txBody>
       </p:sp>
@@ -4949,8 +4926,8 @@
         </p:blipFill>
         <p:spPr bwMode="auto">
           <a:xfrm flipH="1">
-            <a:off x="6503761" y="1144811"/>
-            <a:ext cx="1044046" cy="2578777"/>
+            <a:off x="7220355" y="2914788"/>
+            <a:ext cx="327452" cy="808800"/>
           </a:xfrm>
           <a:prstGeom prst="rect">
             <a:avLst/>
@@ -9603,36 +9580,6 @@
             </a:p>
           </p:txBody>
         </p:sp>
-        <p:pic>
-          <p:nvPicPr>
-            <p:cNvPr id="17" name="Picture 16">
-              <a:extLst>
-                <a:ext uri="{FF2B5EF4-FFF2-40B4-BE49-F238E27FC236}">
-                  <a16:creationId xmlns:a16="http://schemas.microsoft.com/office/drawing/2014/main" id="{567AB97C-57AA-48DE-9654-DD0C4D7A6177}"/>
-                </a:ext>
-              </a:extLst>
-            </p:cNvPr>
-            <p:cNvPicPr>
-              <a:picLocks noChangeAspect="1"/>
-            </p:cNvPicPr>
-            <p:nvPr/>
-          </p:nvPicPr>
-          <p:blipFill>
-            <a:blip r:embed="rId3"/>
-            <a:stretch>
-              <a:fillRect/>
-            </a:stretch>
-          </p:blipFill>
-          <p:spPr>
-            <a:xfrm>
-              <a:off x="6210434" y="1968446"/>
-              <a:ext cx="1401130" cy="992467"/>
-            </a:xfrm>
-            <a:prstGeom prst="rect">
-              <a:avLst/>
-            </a:prstGeom>
-          </p:spPr>
-        </p:pic>
         <p:cxnSp>
           <p:nvCxnSpPr>
             <p:cNvPr id="25" name="Straight Arrow Connector 24">
@@ -9713,7 +9660,7 @@
                   </a:solidFill>
                   <a:latin typeface="Agency FB" panose="020B0503020202020204" pitchFamily="34" charset="0"/>
                 </a:rPr>
-                <a:t>Arduino processes the information</a:t>
+                <a:t>Raspberry processes the information</a:t>
               </a:r>
             </a:p>
           </p:txBody>
@@ -9798,7 +9745,7 @@
                   </a:solidFill>
                   <a:latin typeface="Agency FB" panose="020B0503020202020204" pitchFamily="34" charset="0"/>
                 </a:rPr>
-                <a:t>Data sent to Arduino</a:t>
+                <a:t>Data sent to Raspberry PI</a:t>
               </a:r>
             </a:p>
           </p:txBody>
@@ -9818,7 +9765,7 @@
             <p:nvPr/>
           </p:nvPicPr>
           <p:blipFill rotWithShape="1">
-            <a:blip r:embed="rId4">
+            <a:blip r:embed="rId3">
               <a:extLst>
                 <a:ext uri="{28A0092B-C50C-407E-A947-70E740481C1C}">
                   <a14:useLocalDpi xmlns:a14="http://schemas.microsoft.com/office/drawing/2010/main" val="0"/>
@@ -10029,36 +9976,6 @@
             </a:p>
           </p:txBody>
         </p:sp>
-        <p:pic>
-          <p:nvPicPr>
-            <p:cNvPr id="41" name="Picture 40">
-              <a:extLst>
-                <a:ext uri="{FF2B5EF4-FFF2-40B4-BE49-F238E27FC236}">
-                  <a16:creationId xmlns:a16="http://schemas.microsoft.com/office/drawing/2014/main" id="{FACAB9A1-47F9-43CD-BFF5-88C8772567D2}"/>
-                </a:ext>
-              </a:extLst>
-            </p:cNvPr>
-            <p:cNvPicPr>
-              <a:picLocks noChangeAspect="1"/>
-            </p:cNvPicPr>
-            <p:nvPr/>
-          </p:nvPicPr>
-          <p:blipFill>
-            <a:blip r:embed="rId3"/>
-            <a:stretch>
-              <a:fillRect/>
-            </a:stretch>
-          </p:blipFill>
-          <p:spPr>
-            <a:xfrm>
-              <a:off x="6210434" y="1968446"/>
-              <a:ext cx="1401130" cy="992467"/>
-            </a:xfrm>
-            <a:prstGeom prst="rect">
-              <a:avLst/>
-            </a:prstGeom>
-          </p:spPr>
-        </p:pic>
         <p:cxnSp>
           <p:nvCxnSpPr>
             <p:cNvPr id="42" name="Straight Arrow Connector 41">
@@ -10139,7 +10056,7 @@
                   </a:solidFill>
                   <a:latin typeface="Agency FB" panose="020B0503020202020204" pitchFamily="34" charset="0"/>
                 </a:rPr>
-                <a:t>Arduino processes the information</a:t>
+                <a:t>Raspberry processes the information</a:t>
               </a:r>
             </a:p>
           </p:txBody>
@@ -10224,7 +10141,7 @@
                   </a:solidFill>
                   <a:latin typeface="Agency FB" panose="020B0503020202020204" pitchFamily="34" charset="0"/>
                 </a:rPr>
-                <a:t>Data sent to Arduino</a:t>
+                <a:t>Data sent to Raspberry PI</a:t>
               </a:r>
             </a:p>
           </p:txBody>
@@ -10324,7 +10241,7 @@
           <p:nvPr/>
         </p:nvPicPr>
         <p:blipFill>
-          <a:blip r:embed="rId5">
+          <a:blip r:embed="rId4">
             <a:extLst>
               <a:ext uri="{28A0092B-C50C-407E-A947-70E740481C1C}">
                 <a14:useLocalDpi xmlns:a14="http://schemas.microsoft.com/office/drawing/2010/main" val="0"/>
@@ -11151,7 +11068,7 @@
           <p:nvPr>
             <p:extLst>
               <p:ext uri="{D42A27DB-BD31-4B8C-83A1-F6EECF244321}">
-                <p14:modId xmlns:p14="http://schemas.microsoft.com/office/powerpoint/2010/main" val="3939082759"/>
+                <p14:modId xmlns:p14="http://schemas.microsoft.com/office/powerpoint/2010/main" val="3437628788"/>
               </p:ext>
             </p:extLst>
           </p:nvPr>
@@ -11263,11 +11180,14 @@
                     <a:lstStyle/>
                     <a:p>
                       <a:r>
-                        <a:rPr lang="en-US" sz="2800" dirty="0">
+                        <a:rPr lang="en-US" sz="2800">
                           <a:latin typeface="Agency FB" panose="020B0503020202020204" pitchFamily="34" charset="0"/>
                         </a:rPr>
-                        <a:t>Arduino Nano</a:t>
+                        <a:t>Raspberry PI</a:t>
                       </a:r>
+                      <a:endParaRPr lang="en-US" sz="2800" dirty="0">
+                        <a:latin typeface="Agency FB" panose="020B0503020202020204" pitchFamily="34" charset="0"/>
+                      </a:endParaRPr>
                     </a:p>
                   </a:txBody>
                   <a:tcPr/>

--- a/visionXplorer ppt files/visionXplorer.pptx
+++ b/visionXplorer ppt files/visionXplorer.pptx
@@ -207,7 +207,7 @@
           <a:p>
             <a:fld id="{90C61749-E9B1-4585-88E5-B9C430F5F061}" type="datetimeFigureOut">
               <a:rPr lang="en-US" smtClean="0"/>
-              <a:t>19-Nov-23</a:t>
+              <a:t>21-Nov-23</a:t>
             </a:fld>
             <a:endParaRPr lang="en-US"/>
           </a:p>
@@ -839,7 +839,7 @@
           <a:p>
             <a:fld id="{965DCD5F-7DAF-4FE9-8EAD-690011DE767E}" type="datetimeFigureOut">
               <a:rPr lang="en-US" smtClean="0"/>
-              <a:t>19-Nov-23</a:t>
+              <a:t>21-Nov-23</a:t>
             </a:fld>
             <a:endParaRPr lang="en-US"/>
           </a:p>
@@ -1037,7 +1037,7 @@
           <a:p>
             <a:fld id="{965DCD5F-7DAF-4FE9-8EAD-690011DE767E}" type="datetimeFigureOut">
               <a:rPr lang="en-US" smtClean="0"/>
-              <a:t>19-Nov-23</a:t>
+              <a:t>21-Nov-23</a:t>
             </a:fld>
             <a:endParaRPr lang="en-US"/>
           </a:p>
@@ -1245,7 +1245,7 @@
           <a:p>
             <a:fld id="{965DCD5F-7DAF-4FE9-8EAD-690011DE767E}" type="datetimeFigureOut">
               <a:rPr lang="en-US" smtClean="0"/>
-              <a:t>19-Nov-23</a:t>
+              <a:t>21-Nov-23</a:t>
             </a:fld>
             <a:endParaRPr lang="en-US"/>
           </a:p>
@@ -1689,7 +1689,7 @@
           <a:p>
             <a:fld id="{965DCD5F-7DAF-4FE9-8EAD-690011DE767E}" type="datetimeFigureOut">
               <a:rPr lang="en-US" smtClean="0"/>
-              <a:t>19-Nov-23</a:t>
+              <a:t>21-Nov-23</a:t>
             </a:fld>
             <a:endParaRPr lang="en-US"/>
           </a:p>
@@ -1964,7 +1964,7 @@
           <a:p>
             <a:fld id="{965DCD5F-7DAF-4FE9-8EAD-690011DE767E}" type="datetimeFigureOut">
               <a:rPr lang="en-US" smtClean="0"/>
-              <a:t>19-Nov-23</a:t>
+              <a:t>21-Nov-23</a:t>
             </a:fld>
             <a:endParaRPr lang="en-US"/>
           </a:p>
@@ -2229,7 +2229,7 @@
           <a:p>
             <a:fld id="{965DCD5F-7DAF-4FE9-8EAD-690011DE767E}" type="datetimeFigureOut">
               <a:rPr lang="en-US" smtClean="0"/>
-              <a:t>19-Nov-23</a:t>
+              <a:t>21-Nov-23</a:t>
             </a:fld>
             <a:endParaRPr lang="en-US"/>
           </a:p>
@@ -2641,7 +2641,7 @@
           <a:p>
             <a:fld id="{965DCD5F-7DAF-4FE9-8EAD-690011DE767E}" type="datetimeFigureOut">
               <a:rPr lang="en-US" smtClean="0"/>
-              <a:t>19-Nov-23</a:t>
+              <a:t>21-Nov-23</a:t>
             </a:fld>
             <a:endParaRPr lang="en-US"/>
           </a:p>
@@ -2782,7 +2782,7 @@
           <a:p>
             <a:fld id="{965DCD5F-7DAF-4FE9-8EAD-690011DE767E}" type="datetimeFigureOut">
               <a:rPr lang="en-US" smtClean="0"/>
-              <a:t>19-Nov-23</a:t>
+              <a:t>21-Nov-23</a:t>
             </a:fld>
             <a:endParaRPr lang="en-US"/>
           </a:p>
@@ -2895,7 +2895,7 @@
           <a:p>
             <a:fld id="{965DCD5F-7DAF-4FE9-8EAD-690011DE767E}" type="datetimeFigureOut">
               <a:rPr lang="en-US" smtClean="0"/>
-              <a:t>19-Nov-23</a:t>
+              <a:t>21-Nov-23</a:t>
             </a:fld>
             <a:endParaRPr lang="en-US"/>
           </a:p>
@@ -3206,7 +3206,7 @@
           <a:p>
             <a:fld id="{965DCD5F-7DAF-4FE9-8EAD-690011DE767E}" type="datetimeFigureOut">
               <a:rPr lang="en-US" smtClean="0"/>
-              <a:t>19-Nov-23</a:t>
+              <a:t>21-Nov-23</a:t>
             </a:fld>
             <a:endParaRPr lang="en-US"/>
           </a:p>
@@ -3494,7 +3494,7 @@
           <a:p>
             <a:fld id="{965DCD5F-7DAF-4FE9-8EAD-690011DE767E}" type="datetimeFigureOut">
               <a:rPr lang="en-US" smtClean="0"/>
-              <a:t>19-Nov-23</a:t>
+              <a:t>21-Nov-23</a:t>
             </a:fld>
             <a:endParaRPr lang="en-US"/>
           </a:p>
@@ -3735,7 +3735,7 @@
           <a:p>
             <a:fld id="{965DCD5F-7DAF-4FE9-8EAD-690011DE767E}" type="datetimeFigureOut">
               <a:rPr lang="en-US" smtClean="0"/>
-              <a:t>19-Nov-23</a:t>
+              <a:t>21-Nov-23</a:t>
             </a:fld>
             <a:endParaRPr lang="en-US"/>
           </a:p>
@@ -4689,7 +4689,7 @@
         <p:spPr>
           <a:xfrm>
             <a:off x="6314210" y="3871277"/>
-            <a:ext cx="2741097" cy="276999"/>
+            <a:ext cx="2741097" cy="830997"/>
           </a:xfrm>
           <a:prstGeom prst="rect">
             <a:avLst/>
@@ -4703,7 +4703,7 @@
           <a:lstStyle/>
           <a:p>
             <a:r>
-              <a:rPr lang="en-US" sz="1200" dirty="0" err="1">
+              <a:rPr lang="en-US" sz="2400" dirty="0" err="1">
                 <a:solidFill>
                   <a:srgbClr val="29E8B2"/>
                 </a:solidFill>
@@ -4711,9 +4711,26 @@
               </a:rPr>
               <a:t>Labeeb</a:t>
             </a:r>
-            <a:endParaRPr lang="en-US" sz="1200" dirty="0">
+            <a:endParaRPr lang="en-US" sz="2400" dirty="0">
               <a:solidFill>
                 <a:srgbClr val="29E8B2"/>
+              </a:solidFill>
+              <a:latin typeface="Agency FB" panose="020B0503020202020204" pitchFamily="34" charset="0"/>
+            </a:endParaRPr>
+          </a:p>
+          <a:p>
+            <a:r>
+              <a:rPr lang="en-US" sz="2400" b="1" dirty="0">
+                <a:solidFill>
+                  <a:srgbClr val="2D9A9D"/>
+                </a:solidFill>
+                <a:latin typeface="Agency FB" panose="020B0503020202020204" pitchFamily="34" charset="0"/>
+              </a:rPr>
+              <a:t>Tech support</a:t>
+            </a:r>
+            <a:endParaRPr lang="en-US" b="1" dirty="0">
+              <a:solidFill>
+                <a:srgbClr val="2D9A9D"/>
               </a:solidFill>
               <a:latin typeface="Agency FB" panose="020B0503020202020204" pitchFamily="34" charset="0"/>
             </a:endParaRPr>
@@ -4926,8 +4943,8 @@
         </p:blipFill>
         <p:spPr bwMode="auto">
           <a:xfrm flipH="1">
-            <a:off x="7220355" y="2914788"/>
-            <a:ext cx="327452" cy="808800"/>
+            <a:off x="6489795" y="1110319"/>
+            <a:ext cx="1058012" cy="2613269"/>
           </a:xfrm>
           <a:prstGeom prst="rect">
             <a:avLst/>

--- a/visionXplorer ppt files/visionXplorer.pptx
+++ b/visionXplorer ppt files/visionXplorer.pptx
@@ -207,7 +207,7 @@
           <a:p>
             <a:fld id="{90C61749-E9B1-4585-88E5-B9C430F5F061}" type="datetimeFigureOut">
               <a:rPr lang="en-US" smtClean="0"/>
-              <a:t>21-Nov-23</a:t>
+              <a:t>23-Nov-23</a:t>
             </a:fld>
             <a:endParaRPr lang="en-US"/>
           </a:p>
@@ -839,7 +839,7 @@
           <a:p>
             <a:fld id="{965DCD5F-7DAF-4FE9-8EAD-690011DE767E}" type="datetimeFigureOut">
               <a:rPr lang="en-US" smtClean="0"/>
-              <a:t>21-Nov-23</a:t>
+              <a:t>23-Nov-23</a:t>
             </a:fld>
             <a:endParaRPr lang="en-US"/>
           </a:p>
@@ -1037,7 +1037,7 @@
           <a:p>
             <a:fld id="{965DCD5F-7DAF-4FE9-8EAD-690011DE767E}" type="datetimeFigureOut">
               <a:rPr lang="en-US" smtClean="0"/>
-              <a:t>21-Nov-23</a:t>
+              <a:t>23-Nov-23</a:t>
             </a:fld>
             <a:endParaRPr lang="en-US"/>
           </a:p>
@@ -1245,7 +1245,7 @@
           <a:p>
             <a:fld id="{965DCD5F-7DAF-4FE9-8EAD-690011DE767E}" type="datetimeFigureOut">
               <a:rPr lang="en-US" smtClean="0"/>
-              <a:t>21-Nov-23</a:t>
+              <a:t>23-Nov-23</a:t>
             </a:fld>
             <a:endParaRPr lang="en-US"/>
           </a:p>
@@ -1689,7 +1689,7 @@
           <a:p>
             <a:fld id="{965DCD5F-7DAF-4FE9-8EAD-690011DE767E}" type="datetimeFigureOut">
               <a:rPr lang="en-US" smtClean="0"/>
-              <a:t>21-Nov-23</a:t>
+              <a:t>23-Nov-23</a:t>
             </a:fld>
             <a:endParaRPr lang="en-US"/>
           </a:p>
@@ -1964,7 +1964,7 @@
           <a:p>
             <a:fld id="{965DCD5F-7DAF-4FE9-8EAD-690011DE767E}" type="datetimeFigureOut">
               <a:rPr lang="en-US" smtClean="0"/>
-              <a:t>21-Nov-23</a:t>
+              <a:t>23-Nov-23</a:t>
             </a:fld>
             <a:endParaRPr lang="en-US"/>
           </a:p>
@@ -2229,7 +2229,7 @@
           <a:p>
             <a:fld id="{965DCD5F-7DAF-4FE9-8EAD-690011DE767E}" type="datetimeFigureOut">
               <a:rPr lang="en-US" smtClean="0"/>
-              <a:t>21-Nov-23</a:t>
+              <a:t>23-Nov-23</a:t>
             </a:fld>
             <a:endParaRPr lang="en-US"/>
           </a:p>
@@ -2641,7 +2641,7 @@
           <a:p>
             <a:fld id="{965DCD5F-7DAF-4FE9-8EAD-690011DE767E}" type="datetimeFigureOut">
               <a:rPr lang="en-US" smtClean="0"/>
-              <a:t>21-Nov-23</a:t>
+              <a:t>23-Nov-23</a:t>
             </a:fld>
             <a:endParaRPr lang="en-US"/>
           </a:p>
@@ -2782,7 +2782,7 @@
           <a:p>
             <a:fld id="{965DCD5F-7DAF-4FE9-8EAD-690011DE767E}" type="datetimeFigureOut">
               <a:rPr lang="en-US" smtClean="0"/>
-              <a:t>21-Nov-23</a:t>
+              <a:t>23-Nov-23</a:t>
             </a:fld>
             <a:endParaRPr lang="en-US"/>
           </a:p>
@@ -2895,7 +2895,7 @@
           <a:p>
             <a:fld id="{965DCD5F-7DAF-4FE9-8EAD-690011DE767E}" type="datetimeFigureOut">
               <a:rPr lang="en-US" smtClean="0"/>
-              <a:t>21-Nov-23</a:t>
+              <a:t>23-Nov-23</a:t>
             </a:fld>
             <a:endParaRPr lang="en-US"/>
           </a:p>
@@ -3206,7 +3206,7 @@
           <a:p>
             <a:fld id="{965DCD5F-7DAF-4FE9-8EAD-690011DE767E}" type="datetimeFigureOut">
               <a:rPr lang="en-US" smtClean="0"/>
-              <a:t>21-Nov-23</a:t>
+              <a:t>23-Nov-23</a:t>
             </a:fld>
             <a:endParaRPr lang="en-US"/>
           </a:p>
@@ -3494,7 +3494,7 @@
           <a:p>
             <a:fld id="{965DCD5F-7DAF-4FE9-8EAD-690011DE767E}" type="datetimeFigureOut">
               <a:rPr lang="en-US" smtClean="0"/>
-              <a:t>21-Nov-23</a:t>
+              <a:t>23-Nov-23</a:t>
             </a:fld>
             <a:endParaRPr lang="en-US"/>
           </a:p>
@@ -3735,7 +3735,7 @@
           <a:p>
             <a:fld id="{965DCD5F-7DAF-4FE9-8EAD-690011DE767E}" type="datetimeFigureOut">
               <a:rPr lang="en-US" smtClean="0"/>
-              <a:t>21-Nov-23</a:t>
+              <a:t>23-Nov-23</a:t>
             </a:fld>
             <a:endParaRPr lang="en-US"/>
           </a:p>
@@ -6825,50 +6825,6 @@
           </p:sp>
         </p:grpSp>
       </p:grpSp>
-      <p:sp>
-        <p:nvSpPr>
-          <p:cNvPr id="43" name="Arrow: Right 42">
-            <a:extLst>
-              <a:ext uri="{FF2B5EF4-FFF2-40B4-BE49-F238E27FC236}">
-                <a16:creationId xmlns:a16="http://schemas.microsoft.com/office/drawing/2014/main" id="{ABA601FB-6028-4BC5-B6AD-A8272168F207}"/>
-              </a:ext>
-            </a:extLst>
-          </p:cNvPr>
-          <p:cNvSpPr/>
-          <p:nvPr/>
-        </p:nvSpPr>
-        <p:spPr>
-          <a:xfrm rot="8879041">
-            <a:off x="4201755" y="3829872"/>
-            <a:ext cx="934268" cy="342167"/>
-          </a:xfrm>
-          <a:prstGeom prst="rightArrow">
-            <a:avLst/>
-          </a:prstGeom>
-        </p:spPr>
-        <p:style>
-          <a:lnRef idx="2">
-            <a:schemeClr val="accent6"/>
-          </a:lnRef>
-          <a:fillRef idx="1003">
-            <a:schemeClr val="dk1"/>
-          </a:fillRef>
-          <a:effectRef idx="0">
-            <a:schemeClr val="accent6"/>
-          </a:effectRef>
-          <a:fontRef idx="minor">
-            <a:schemeClr val="dk1"/>
-          </a:fontRef>
-        </p:style>
-        <p:txBody>
-          <a:bodyPr rtlCol="0" anchor="ctr"/>
-          <a:lstStyle/>
-          <a:p>
-            <a:pPr algn="ctr"/>
-            <a:endParaRPr lang="en-US"/>
-          </a:p>
-        </p:txBody>
-      </p:sp>
       <p:pic>
         <p:nvPicPr>
           <p:cNvPr id="4" name="Picture 3">
@@ -9374,7 +9330,7 @@
           <p:nvPr>
             <p:extLst>
               <p:ext uri="{D42A27DB-BD31-4B8C-83A1-F6EECF244321}">
-                <p14:modId xmlns:p14="http://schemas.microsoft.com/office/powerpoint/2010/main" val="2318356045"/>
+                <p14:modId xmlns:p14="http://schemas.microsoft.com/office/powerpoint/2010/main" val="2839403674"/>
               </p:ext>
             </p:extLst>
           </p:nvPr>
@@ -9458,7 +9414,7 @@
                           </a:solidFill>
                           <a:latin typeface="Agency FB" panose="020B0503020202020204" pitchFamily="34" charset="0"/>
                         </a:rPr>
-                        <a:t>Information Search</a:t>
+                        <a:t>Navigation</a:t>
                       </a:r>
                     </a:p>
                   </a:txBody>
@@ -9967,7 +9923,7 @@
           <p:spPr>
             <a:xfrm>
               <a:off x="3417217" y="2813901"/>
-              <a:ext cx="2088036" cy="646331"/>
+              <a:ext cx="2088036" cy="369332"/>
             </a:xfrm>
             <a:prstGeom prst="rect">
               <a:avLst/>
@@ -9988,7 +9944,7 @@
                   </a:solidFill>
                   <a:latin typeface="Agency FB" panose="020B0503020202020204" pitchFamily="34" charset="0"/>
                 </a:rPr>
-                <a:t>Image input through camera module</a:t>
+                <a:t>YES/NO as input</a:t>
               </a:r>
             </a:p>
           </p:txBody>
@@ -10052,7 +10008,7 @@
           <p:spPr>
             <a:xfrm>
               <a:off x="7577397" y="1843363"/>
-              <a:ext cx="1752071" cy="646331"/>
+              <a:ext cx="2121880" cy="646331"/>
             </a:xfrm>
             <a:prstGeom prst="rect">
               <a:avLst/>
@@ -10073,7 +10029,7 @@
                   </a:solidFill>
                   <a:latin typeface="Agency FB" panose="020B0503020202020204" pitchFamily="34" charset="0"/>
                 </a:rPr>
-                <a:t>Raspberry processes the information</a:t>
+                <a:t>Raspberry reads aloud the further going</a:t>
               </a:r>
             </a:p>
           </p:txBody>
@@ -10193,13 +10149,22 @@
             <a:p>
               <a:pPr algn="ctr"/>
               <a:r>
+                <a:rPr lang="en-US">
+                  <a:solidFill>
+                    <a:srgbClr val="29E8B2"/>
+                  </a:solidFill>
+                  <a:latin typeface="Agency FB" panose="020B0503020202020204" pitchFamily="34" charset="0"/>
+                </a:rPr>
+                <a:t>Map </a:t>
+              </a:r>
+              <a:r>
                 <a:rPr lang="en-US" dirty="0">
                   <a:solidFill>
                     <a:srgbClr val="29E8B2"/>
                   </a:solidFill>
                   <a:latin typeface="Agency FB" panose="020B0503020202020204" pitchFamily="34" charset="0"/>
                 </a:rPr>
-                <a:t>Searched information being read aloud via audio module</a:t>
+                <a:t>information being read aloud via audio module</a:t>
               </a:r>
             </a:p>
           </p:txBody>
@@ -10305,7 +10270,7 @@
         <p:spPr>
           <a:xfrm>
             <a:off x="7055802" y="4510299"/>
-            <a:ext cx="1814293" cy="646331"/>
+            <a:ext cx="1814293" cy="369332"/>
           </a:xfrm>
           <a:prstGeom prst="rect">
             <a:avLst/>
@@ -10326,7 +10291,7 @@
                 </a:solidFill>
                 <a:latin typeface="Agency FB" panose="020B0503020202020204" pitchFamily="34" charset="0"/>
               </a:rPr>
-              <a:t>CV, web search API, Text to speech API</a:t>
+              <a:t>Text to speech API</a:t>
             </a:r>
           </a:p>
         </p:txBody>

--- a/visionXplorer ppt files/visionXplorer.pptx
+++ b/visionXplorer ppt files/visionXplorer.pptx
@@ -207,7 +207,7 @@
           <a:p>
             <a:fld id="{90C61749-E9B1-4585-88E5-B9C430F5F061}" type="datetimeFigureOut">
               <a:rPr lang="en-US" smtClean="0"/>
-              <a:t>23-Nov-23</a:t>
+              <a:t>24-Nov-23</a:t>
             </a:fld>
             <a:endParaRPr lang="en-US"/>
           </a:p>
@@ -839,7 +839,7 @@
           <a:p>
             <a:fld id="{965DCD5F-7DAF-4FE9-8EAD-690011DE767E}" type="datetimeFigureOut">
               <a:rPr lang="en-US" smtClean="0"/>
-              <a:t>23-Nov-23</a:t>
+              <a:t>24-Nov-23</a:t>
             </a:fld>
             <a:endParaRPr lang="en-US"/>
           </a:p>
@@ -1037,7 +1037,7 @@
           <a:p>
             <a:fld id="{965DCD5F-7DAF-4FE9-8EAD-690011DE767E}" type="datetimeFigureOut">
               <a:rPr lang="en-US" smtClean="0"/>
-              <a:t>23-Nov-23</a:t>
+              <a:t>24-Nov-23</a:t>
             </a:fld>
             <a:endParaRPr lang="en-US"/>
           </a:p>
@@ -1245,7 +1245,7 @@
           <a:p>
             <a:fld id="{965DCD5F-7DAF-4FE9-8EAD-690011DE767E}" type="datetimeFigureOut">
               <a:rPr lang="en-US" smtClean="0"/>
-              <a:t>23-Nov-23</a:t>
+              <a:t>24-Nov-23</a:t>
             </a:fld>
             <a:endParaRPr lang="en-US"/>
           </a:p>
@@ -1689,7 +1689,7 @@
           <a:p>
             <a:fld id="{965DCD5F-7DAF-4FE9-8EAD-690011DE767E}" type="datetimeFigureOut">
               <a:rPr lang="en-US" smtClean="0"/>
-              <a:t>23-Nov-23</a:t>
+              <a:t>24-Nov-23</a:t>
             </a:fld>
             <a:endParaRPr lang="en-US"/>
           </a:p>
@@ -1964,7 +1964,7 @@
           <a:p>
             <a:fld id="{965DCD5F-7DAF-4FE9-8EAD-690011DE767E}" type="datetimeFigureOut">
               <a:rPr lang="en-US" smtClean="0"/>
-              <a:t>23-Nov-23</a:t>
+              <a:t>24-Nov-23</a:t>
             </a:fld>
             <a:endParaRPr lang="en-US"/>
           </a:p>
@@ -2229,7 +2229,7 @@
           <a:p>
             <a:fld id="{965DCD5F-7DAF-4FE9-8EAD-690011DE767E}" type="datetimeFigureOut">
               <a:rPr lang="en-US" smtClean="0"/>
-              <a:t>23-Nov-23</a:t>
+              <a:t>24-Nov-23</a:t>
             </a:fld>
             <a:endParaRPr lang="en-US"/>
           </a:p>
@@ -2641,7 +2641,7 @@
           <a:p>
             <a:fld id="{965DCD5F-7DAF-4FE9-8EAD-690011DE767E}" type="datetimeFigureOut">
               <a:rPr lang="en-US" smtClean="0"/>
-              <a:t>23-Nov-23</a:t>
+              <a:t>24-Nov-23</a:t>
             </a:fld>
             <a:endParaRPr lang="en-US"/>
           </a:p>
@@ -2782,7 +2782,7 @@
           <a:p>
             <a:fld id="{965DCD5F-7DAF-4FE9-8EAD-690011DE767E}" type="datetimeFigureOut">
               <a:rPr lang="en-US" smtClean="0"/>
-              <a:t>23-Nov-23</a:t>
+              <a:t>24-Nov-23</a:t>
             </a:fld>
             <a:endParaRPr lang="en-US"/>
           </a:p>
@@ -2895,7 +2895,7 @@
           <a:p>
             <a:fld id="{965DCD5F-7DAF-4FE9-8EAD-690011DE767E}" type="datetimeFigureOut">
               <a:rPr lang="en-US" smtClean="0"/>
-              <a:t>23-Nov-23</a:t>
+              <a:t>24-Nov-23</a:t>
             </a:fld>
             <a:endParaRPr lang="en-US"/>
           </a:p>
@@ -3206,7 +3206,7 @@
           <a:p>
             <a:fld id="{965DCD5F-7DAF-4FE9-8EAD-690011DE767E}" type="datetimeFigureOut">
               <a:rPr lang="en-US" smtClean="0"/>
-              <a:t>23-Nov-23</a:t>
+              <a:t>24-Nov-23</a:t>
             </a:fld>
             <a:endParaRPr lang="en-US"/>
           </a:p>
@@ -3494,7 +3494,7 @@
           <a:p>
             <a:fld id="{965DCD5F-7DAF-4FE9-8EAD-690011DE767E}" type="datetimeFigureOut">
               <a:rPr lang="en-US" smtClean="0"/>
-              <a:t>23-Nov-23</a:t>
+              <a:t>24-Nov-23</a:t>
             </a:fld>
             <a:endParaRPr lang="en-US"/>
           </a:p>
@@ -3735,7 +3735,7 @@
           <a:p>
             <a:fld id="{965DCD5F-7DAF-4FE9-8EAD-690011DE767E}" type="datetimeFigureOut">
               <a:rPr lang="en-US" smtClean="0"/>
-              <a:t>23-Nov-23</a:t>
+              <a:t>24-Nov-23</a:t>
             </a:fld>
             <a:endParaRPr lang="en-US"/>
           </a:p>
@@ -4478,7 +4478,7 @@
         <p:spPr>
           <a:xfrm>
             <a:off x="75414" y="3723588"/>
-            <a:ext cx="2988025" cy="1446550"/>
+            <a:ext cx="2988025" cy="954107"/>
           </a:xfrm>
           <a:prstGeom prst="rect">
             <a:avLst/>
@@ -4572,26 +4572,6 @@
               <a:t>;</a:t>
             </a:r>
           </a:p>
-          <a:p>
-            <a:r>
-              <a:rPr lang="en-US" sz="3200" b="1" dirty="0">
-                <a:solidFill>
-                  <a:srgbClr val="2D9A9D"/>
-                </a:solidFill>
-                <a:latin typeface="Agency FB" panose="020B0503020202020204" pitchFamily="34" charset="0"/>
-              </a:rPr>
-              <a:t>Coding</a:t>
-            </a:r>
-            <a:r>
-              <a:rPr lang="en-US" sz="2400" b="1" dirty="0">
-                <a:solidFill>
-                  <a:srgbClr val="2D9A9D"/>
-                </a:solidFill>
-                <a:latin typeface="Agency FB" panose="020B0503020202020204" pitchFamily="34" charset="0"/>
-              </a:rPr>
-              <a:t> head;</a:t>
-            </a:r>
-          </a:p>
         </p:txBody>
       </p:sp>
       <p:sp>
@@ -4689,7 +4669,7 @@
         <p:spPr>
           <a:xfrm>
             <a:off x="6314210" y="3871277"/>
-            <a:ext cx="2741097" cy="830997"/>
+            <a:ext cx="2814353" cy="1200329"/>
           </a:xfrm>
           <a:prstGeom prst="rect">
             <a:avLst/>
@@ -4726,7 +4706,7 @@
                 </a:solidFill>
                 <a:latin typeface="Agency FB" panose="020B0503020202020204" pitchFamily="34" charset="0"/>
               </a:rPr>
-              <a:t>Tech support</a:t>
+              <a:t>Junior software developer</a:t>
             </a:r>
             <a:endParaRPr lang="en-US" b="1" dirty="0">
               <a:solidFill>
@@ -4752,7 +4732,7 @@
         <p:spPr>
           <a:xfrm>
             <a:off x="9564981" y="3871277"/>
-            <a:ext cx="2627019" cy="1384995"/>
+            <a:ext cx="2627019" cy="1323439"/>
           </a:xfrm>
           <a:prstGeom prst="rect">
             <a:avLst/>
@@ -4803,20 +4783,14 @@
           </a:p>
           <a:p>
             <a:r>
-              <a:rPr lang="en-US" sz="3200" b="1" dirty="0">
+              <a:rPr lang="en-US" sz="2800" b="1" dirty="0">
                 <a:solidFill>
                   <a:srgbClr val="2D9A9D"/>
                 </a:solidFill>
                 <a:latin typeface="Agency FB" panose="020B0503020202020204" pitchFamily="34" charset="0"/>
               </a:rPr>
-              <a:t>UI developer</a:t>
+              <a:t>Software Head</a:t>
             </a:r>
-            <a:endParaRPr lang="en-US" sz="2400" b="1" dirty="0">
-              <a:solidFill>
-                <a:srgbClr val="2D9A9D"/>
-              </a:solidFill>
-              <a:latin typeface="Agency FB" panose="020B0503020202020204" pitchFamily="34" charset="0"/>
-            </a:endParaRPr>
           </a:p>
         </p:txBody>
       </p:sp>
@@ -5315,7 +5289,7 @@
         <p:spPr>
           <a:xfrm>
             <a:off x="4155440" y="1659285"/>
-            <a:ext cx="8036560" cy="3970318"/>
+            <a:ext cx="8036560" cy="3539430"/>
           </a:xfrm>
           <a:prstGeom prst="rect">
             <a:avLst/>
@@ -5335,7 +5309,7 @@
                 </a:solidFill>
                 <a:latin typeface="Agency FB" panose="020B0503020202020204" pitchFamily="34" charset="0"/>
               </a:rPr>
-              <a:t>Our cutting-edge product is a pair of smart glasses designed to revolutionize how we perceive and interact with the world. Featuring live text translation, augmented reality, monitoring and navigation functionalities, these glasses provide users with real-time language translation, immersive digital overlays, and seamless guidance through their surroundings. With these features, our smart glasses open up new possibilities for communication, information access, and exploration, making them a must-have innovation for tech-savvy individuals.</a:t>
+              <a:t>Our cutting-edge product is a pair of smart glasses designed to revolutionize how we perceive and interact with the world. Featuring live text translation, monitoring and navigation functionalities, these glasses provide users with real-time language translation, immersive digital overlays, and seamless guidance through their surroundings. With these features, our smart glasses open up new possibilities for communication, information access, and exploration, making them a must-have innovation for tech-savvy individuals.</a:t>
             </a:r>
           </a:p>
         </p:txBody>

--- a/visionXplorer ppt files/visionXplorer.pptx
+++ b/visionXplorer ppt files/visionXplorer.pptx
@@ -4496,14 +4496,14 @@
           <p:nvPr>
             <p:extLst>
               <p:ext uri="{D42A27DB-BD31-4B8C-83A1-F6EECF244321}">
-                <p14:modId xmlns:p14="http://schemas.microsoft.com/office/powerpoint/2010/main" val="3437628788"/>
+                <p14:modId xmlns:p14="http://schemas.microsoft.com/office/powerpoint/2010/main" val="1620915911"/>
               </p:ext>
             </p:extLst>
           </p:nvPr>
         </p:nvGraphicFramePr>
         <p:xfrm>
           <a:off x="2032000" y="1874520"/>
-          <a:ext cx="8128000" cy="3108960"/>
+          <a:ext cx="8128000" cy="3627120"/>
         </p:xfrm>
         <a:graphic>
           <a:graphicData uri="http://schemas.openxmlformats.org/drawingml/2006/table">
@@ -4752,6 +4752,43 @@
                   </a:ext>
                 </a:extLst>
               </a:tr>
+              <a:tr h="370840">
+                <a:tc>
+                  <a:txBody>
+                    <a:bodyPr/>
+                    <a:lstStyle/>
+                    <a:p>
+                      <a:r>
+                        <a:rPr lang="en-US" sz="2800" dirty="0">
+                          <a:latin typeface="Agency FB" panose="020B0503020202020204" pitchFamily="34" charset="0"/>
+                        </a:rPr>
+                        <a:t>Other charges</a:t>
+                      </a:r>
+                    </a:p>
+                  </a:txBody>
+                  <a:tcPr/>
+                </a:tc>
+                <a:tc>
+                  <a:txBody>
+                    <a:bodyPr/>
+                    <a:lstStyle/>
+                    <a:p>
+                      <a:r>
+                        <a:rPr lang="en-US" sz="2800" dirty="0">
+                          <a:latin typeface="Agency FB" panose="020B0503020202020204" pitchFamily="34" charset="0"/>
+                        </a:rPr>
+                        <a:t>≈Rs. 300</a:t>
+                      </a:r>
+                    </a:p>
+                  </a:txBody>
+                  <a:tcPr/>
+                </a:tc>
+                <a:extLst>
+                  <a:ext uri="{0D108BD9-81ED-4DB2-BD59-A6C34878D82A}">
+                    <a16:rowId xmlns:a16="http://schemas.microsoft.com/office/drawing/2014/main" val="1991927037"/>
+                  </a:ext>
+                </a:extLst>
+              </a:tr>
             </a:tbl>
           </a:graphicData>
         </a:graphic>
@@ -4770,7 +4807,7 @@
         </p:nvSpPr>
         <p:spPr>
           <a:xfrm>
-            <a:off x="6096000" y="5092323"/>
+            <a:off x="6096000" y="5501640"/>
             <a:ext cx="4064000" cy="523220"/>
           </a:xfrm>
           <a:prstGeom prst="rect">
@@ -4791,7 +4828,7 @@
                 </a:solidFill>
                 <a:latin typeface="Agency FB" panose="020B0503020202020204" pitchFamily="34" charset="0"/>
               </a:rPr>
-              <a:t>Rs. 6200</a:t>
+              <a:t>Rs. 6500</a:t>
             </a:r>
           </a:p>
         </p:txBody>
@@ -9443,8 +9480,8 @@
         </p:nvSpPr>
         <p:spPr>
           <a:xfrm>
-            <a:off x="75414" y="3723588"/>
-            <a:ext cx="2988025" cy="954107"/>
+            <a:off x="622168" y="1206091"/>
+            <a:ext cx="12116586" cy="3970318"/>
           </a:xfrm>
           <a:prstGeom prst="rect">
             <a:avLst/>
@@ -9458,7 +9495,16 @@
           <a:lstStyle/>
           <a:p>
             <a:r>
-              <a:rPr lang="en-US" sz="2400" dirty="0" err="1">
+              <a:rPr lang="en-US" sz="3600" dirty="0">
+                <a:solidFill>
+                  <a:srgbClr val="29E8B2"/>
+                </a:solidFill>
+                <a:latin typeface="Agency FB" panose="020B0503020202020204" pitchFamily="34" charset="0"/>
+              </a:rPr>
+              <a:t>1. </a:t>
+            </a:r>
+            <a:r>
+              <a:rPr lang="en-US" sz="3600" dirty="0" err="1">
                 <a:solidFill>
                   <a:srgbClr val="29E8B2"/>
                 </a:solidFill>
@@ -9467,7 +9513,7 @@
               <a:t>Garvith</a:t>
             </a:r>
             <a:r>
-              <a:rPr lang="en-US" sz="2400" dirty="0">
+              <a:rPr lang="en-US" sz="3600" dirty="0">
                 <a:solidFill>
                   <a:srgbClr val="29E8B2"/>
                 </a:solidFill>
@@ -9476,7 +9522,7 @@
               <a:t> </a:t>
             </a:r>
             <a:r>
-              <a:rPr lang="en-US" sz="2400" dirty="0" err="1">
+              <a:rPr lang="en-US" sz="3600" dirty="0" err="1">
                 <a:solidFill>
                   <a:srgbClr val="29E8B2"/>
                 </a:solidFill>
@@ -9484,7 +9530,49 @@
               </a:rPr>
               <a:t>Murthal</a:t>
             </a:r>
-            <a:endParaRPr lang="en-US" sz="2400" dirty="0">
+            <a:r>
+              <a:rPr lang="en-US" sz="3600" dirty="0">
+                <a:solidFill>
+                  <a:srgbClr val="29E8B2"/>
+                </a:solidFill>
+                <a:latin typeface="Agency FB" panose="020B0503020202020204" pitchFamily="34" charset="0"/>
+              </a:rPr>
+              <a:t>: </a:t>
+            </a:r>
+            <a:r>
+              <a:rPr lang="en-US" sz="3600" dirty="0">
+                <a:solidFill>
+                  <a:srgbClr val="2D9A9D"/>
+                </a:solidFill>
+                <a:latin typeface="Agency FB" panose="020B0503020202020204" pitchFamily="34" charset="0"/>
+              </a:rPr>
+              <a:t>The Technical</a:t>
+            </a:r>
+            <a:r>
+              <a:rPr lang="en-US" sz="3600" dirty="0">
+                <a:solidFill>
+                  <a:srgbClr val="EEFDFA"/>
+                </a:solidFill>
+                <a:latin typeface="Agency FB" panose="020B0503020202020204" pitchFamily="34" charset="0"/>
+              </a:rPr>
+              <a:t> </a:t>
+            </a:r>
+            <a:r>
+              <a:rPr lang="en-US" sz="3600" dirty="0">
+                <a:solidFill>
+                  <a:srgbClr val="2D9A9D"/>
+                </a:solidFill>
+                <a:latin typeface="Agency FB" panose="020B0503020202020204" pitchFamily="34" charset="0"/>
+              </a:rPr>
+              <a:t>head;</a:t>
+            </a:r>
+          </a:p>
+          <a:p>
+            <a:pPr marL="342900" indent="-342900">
+              <a:buFont typeface="Arial" panose="020B0604020202020204" pitchFamily="34" charset="0"/>
+              <a:buChar char="•"/>
+            </a:pPr>
+            <a:endParaRPr lang="en-US" sz="3600" dirty="0">
               <a:solidFill>
                 <a:srgbClr val="2D9A9D"/>
               </a:solidFill>
@@ -9493,83 +9581,16 @@
           </a:p>
           <a:p>
             <a:r>
-              <a:rPr lang="en-US" sz="2400" b="1" dirty="0">
+              <a:rPr lang="en-US" sz="3600" dirty="0">
                 <a:solidFill>
-                  <a:srgbClr val="2D9A9D"/>
+                  <a:srgbClr val="29E8B2"/>
                 </a:solidFill>
                 <a:latin typeface="Agency FB" panose="020B0503020202020204" pitchFamily="34" charset="0"/>
               </a:rPr>
-              <a:t>The </a:t>
+              <a:t>2. </a:t>
             </a:r>
             <a:r>
-              <a:rPr lang="en-US" sz="3200" b="1" dirty="0">
-                <a:solidFill>
-                  <a:srgbClr val="2D9A9D"/>
-                </a:solidFill>
-                <a:latin typeface="Agency FB" panose="020B0503020202020204" pitchFamily="34" charset="0"/>
-              </a:rPr>
-              <a:t>Technical</a:t>
-            </a:r>
-            <a:r>
-              <a:rPr lang="en-US" sz="2400" b="1" dirty="0">
-                <a:solidFill>
-                  <a:srgbClr val="EEFDFA"/>
-                </a:solidFill>
-                <a:latin typeface="Agency FB" panose="020B0503020202020204" pitchFamily="34" charset="0"/>
-              </a:rPr>
-              <a:t> </a:t>
-            </a:r>
-            <a:r>
-              <a:rPr lang="en-US" sz="3200" b="1" dirty="0">
-                <a:solidFill>
-                  <a:srgbClr val="2D9A9D"/>
-                </a:solidFill>
-                <a:latin typeface="Agency FB" panose="020B0503020202020204" pitchFamily="34" charset="0"/>
-              </a:rPr>
-              <a:t>head</a:t>
-            </a:r>
-            <a:r>
-              <a:rPr lang="en-US" sz="2400" b="1" dirty="0">
-                <a:solidFill>
-                  <a:srgbClr val="2D9A9D"/>
-                </a:solidFill>
-                <a:latin typeface="Agency FB" panose="020B0503020202020204" pitchFamily="34" charset="0"/>
-              </a:rPr>
-              <a:t>;</a:t>
-            </a:r>
-          </a:p>
-        </p:txBody>
-      </p:sp>
-      <p:sp>
-        <p:nvSpPr>
-          <p:cNvPr id="65" name="TextBox 64">
-            <a:extLst>
-              <a:ext uri="{FF2B5EF4-FFF2-40B4-BE49-F238E27FC236}">
-                <a16:creationId xmlns:a16="http://schemas.microsoft.com/office/drawing/2014/main" id="{F0A499F2-3DD5-4A14-8CB4-F01CF6F634E7}"/>
-              </a:ext>
-            </a:extLst>
-          </p:cNvPr>
-          <p:cNvSpPr txBox="1"/>
-          <p:nvPr/>
-        </p:nvSpPr>
-        <p:spPr>
-          <a:xfrm>
-            <a:off x="2903457" y="3877560"/>
-            <a:ext cx="3192544" cy="1261884"/>
-          </a:xfrm>
-          <a:prstGeom prst="rect">
-            <a:avLst/>
-          </a:prstGeom>
-          <a:noFill/>
-        </p:spPr>
-        <p:txBody>
-          <a:bodyPr wrap="square" rtlCol="0">
-            <a:spAutoFit/>
-          </a:bodyPr>
-          <a:lstStyle/>
-          <a:p>
-            <a:r>
-              <a:rPr lang="en-US" sz="2400" dirty="0" err="1">
+              <a:rPr lang="en-US" sz="3600" dirty="0" err="1">
                 <a:solidFill>
                   <a:srgbClr val="29E8B2"/>
                 </a:solidFill>
@@ -9578,7 +9599,7 @@
               <a:t>Pritish</a:t>
             </a:r>
             <a:r>
-              <a:rPr lang="en-US" sz="2400" dirty="0">
+              <a:rPr lang="en-US" sz="3600" dirty="0">
                 <a:solidFill>
                   <a:srgbClr val="29E8B2"/>
                 </a:solidFill>
@@ -9586,19 +9607,86 @@
               </a:rPr>
               <a:t> Dash</a:t>
             </a:r>
-          </a:p>
-          <a:p>
             <a:r>
-              <a:rPr lang="en-US" sz="2400" b="1" dirty="0">
+              <a:rPr lang="en-US" sz="3600" dirty="0">
                 <a:solidFill>
                   <a:srgbClr val="2D9A9D"/>
                 </a:solidFill>
                 <a:latin typeface="Agency FB" panose="020B0503020202020204" pitchFamily="34" charset="0"/>
               </a:rPr>
-              <a:t>Junior</a:t>
+              <a:t>: Junior programming lead; Funder;</a:t>
+            </a:r>
+          </a:p>
+          <a:p>
+            <a:pPr marL="342900" indent="-342900">
+              <a:buFont typeface="Arial" panose="020B0604020202020204" pitchFamily="34" charset="0"/>
+              <a:buChar char="•"/>
+            </a:pPr>
+            <a:endParaRPr lang="en-US" sz="3600" dirty="0">
+              <a:solidFill>
+                <a:srgbClr val="2D9A9D"/>
+              </a:solidFill>
+              <a:latin typeface="Agency FB" panose="020B0503020202020204" pitchFamily="34" charset="0"/>
+            </a:endParaRPr>
+          </a:p>
+          <a:p>
+            <a:r>
+              <a:rPr lang="en-US" sz="3600" dirty="0">
+                <a:solidFill>
+                  <a:srgbClr val="29E8B2"/>
+                </a:solidFill>
+                <a:latin typeface="Agency FB" panose="020B0503020202020204" pitchFamily="34" charset="0"/>
+              </a:rPr>
+              <a:t>3. </a:t>
             </a:r>
             <a:r>
-              <a:rPr lang="en-US" sz="2000" b="1" dirty="0">
+              <a:rPr lang="en-US" sz="3600" dirty="0" err="1">
+                <a:solidFill>
+                  <a:srgbClr val="29E8B2"/>
+                </a:solidFill>
+                <a:latin typeface="Agency FB" panose="020B0503020202020204" pitchFamily="34" charset="0"/>
+              </a:rPr>
+              <a:t>Labeeb</a:t>
+            </a:r>
+            <a:r>
+              <a:rPr lang="en-US" sz="3600" dirty="0">
+                <a:solidFill>
+                  <a:srgbClr val="29E8B2"/>
+                </a:solidFill>
+                <a:latin typeface="Agency FB" panose="020B0503020202020204" pitchFamily="34" charset="0"/>
+              </a:rPr>
+              <a:t> Ahmad</a:t>
+            </a:r>
+            <a:r>
+              <a:rPr lang="en-US" sz="3600" dirty="0">
+                <a:solidFill>
+                  <a:srgbClr val="2D9A9D"/>
+                </a:solidFill>
+                <a:latin typeface="Agency FB" panose="020B0503020202020204" pitchFamily="34" charset="0"/>
+              </a:rPr>
+              <a:t>: Technical Researcher;</a:t>
+            </a:r>
+          </a:p>
+          <a:p>
+            <a:endParaRPr lang="en-US" sz="3600" dirty="0">
+              <a:solidFill>
+                <a:srgbClr val="2D9A9D"/>
+              </a:solidFill>
+              <a:latin typeface="Agency FB" panose="020B0503020202020204" pitchFamily="34" charset="0"/>
+            </a:endParaRPr>
+          </a:p>
+          <a:p>
+            <a:r>
+              <a:rPr lang="en-US" sz="3600" dirty="0">
+                <a:solidFill>
+                  <a:srgbClr val="29E8B2"/>
+                </a:solidFill>
+                <a:latin typeface="Agency FB" panose="020B0503020202020204" pitchFamily="34" charset="0"/>
+              </a:rPr>
+              <a:t>4. Soumyajit</a:t>
+            </a:r>
+            <a:r>
+              <a:rPr lang="en-US" sz="3600" dirty="0">
                 <a:solidFill>
                   <a:srgbClr val="2D9A9D"/>
                 </a:solidFill>
@@ -9607,166 +9695,7 @@
               <a:t> </a:t>
             </a:r>
             <a:r>
-              <a:rPr lang="en-US" sz="2800" b="1" dirty="0">
-                <a:solidFill>
-                  <a:srgbClr val="2D9A9D"/>
-                </a:solidFill>
-                <a:latin typeface="Agency FB" panose="020B0503020202020204" pitchFamily="34" charset="0"/>
-              </a:rPr>
-              <a:t>programming</a:t>
-            </a:r>
-            <a:r>
-              <a:rPr lang="en-US" sz="2000" b="1" dirty="0">
-                <a:solidFill>
-                  <a:srgbClr val="2D9A9D"/>
-                </a:solidFill>
-                <a:latin typeface="Agency FB" panose="020B0503020202020204" pitchFamily="34" charset="0"/>
-              </a:rPr>
-              <a:t> </a:t>
-            </a:r>
-            <a:r>
-              <a:rPr lang="en-US" sz="2400" b="1" dirty="0">
-                <a:solidFill>
-                  <a:srgbClr val="2D9A9D"/>
-                </a:solidFill>
-                <a:latin typeface="Agency FB" panose="020B0503020202020204" pitchFamily="34" charset="0"/>
-              </a:rPr>
-              <a:t>lead</a:t>
-            </a:r>
-            <a:r>
-              <a:rPr lang="en-US" sz="2000" b="1" dirty="0">
-                <a:solidFill>
-                  <a:srgbClr val="2D9A9D"/>
-                </a:solidFill>
-                <a:latin typeface="Agency FB" panose="020B0503020202020204" pitchFamily="34" charset="0"/>
-              </a:rPr>
-              <a:t>;</a:t>
-            </a:r>
-          </a:p>
-          <a:p>
-            <a:r>
-              <a:rPr lang="en-US" sz="2400" b="1" dirty="0">
-                <a:solidFill>
-                  <a:srgbClr val="2D9A9D"/>
-                </a:solidFill>
-                <a:latin typeface="Agency FB" panose="020B0503020202020204" pitchFamily="34" charset="0"/>
-              </a:rPr>
-              <a:t>Funder</a:t>
-            </a:r>
-            <a:r>
-              <a:rPr lang="en-US" sz="1600" b="1" dirty="0">
-                <a:solidFill>
-                  <a:srgbClr val="2D9A9D"/>
-                </a:solidFill>
-                <a:latin typeface="Agency FB" panose="020B0503020202020204" pitchFamily="34" charset="0"/>
-              </a:rPr>
-              <a:t>;</a:t>
-            </a:r>
-          </a:p>
-        </p:txBody>
-      </p:sp>
-      <p:sp>
-        <p:nvSpPr>
-          <p:cNvPr id="66" name="TextBox 65">
-            <a:extLst>
-              <a:ext uri="{FF2B5EF4-FFF2-40B4-BE49-F238E27FC236}">
-                <a16:creationId xmlns:a16="http://schemas.microsoft.com/office/drawing/2014/main" id="{395F936A-9C6D-4614-97C9-5E1EF14E5C4B}"/>
-              </a:ext>
-            </a:extLst>
-          </p:cNvPr>
-          <p:cNvSpPr txBox="1"/>
-          <p:nvPr/>
-        </p:nvSpPr>
-        <p:spPr>
-          <a:xfrm>
-            <a:off x="6314210" y="3871277"/>
-            <a:ext cx="2814353" cy="892552"/>
-          </a:xfrm>
-          <a:prstGeom prst="rect">
-            <a:avLst/>
-          </a:prstGeom>
-          <a:noFill/>
-        </p:spPr>
-        <p:txBody>
-          <a:bodyPr wrap="square" rtlCol="0">
-            <a:spAutoFit/>
-          </a:bodyPr>
-          <a:lstStyle/>
-          <a:p>
-            <a:r>
-              <a:rPr lang="en-US" sz="2400" dirty="0" err="1">
-                <a:solidFill>
-                  <a:srgbClr val="29E8B2"/>
-                </a:solidFill>
-                <a:latin typeface="Agency FB" panose="020B0503020202020204" pitchFamily="34" charset="0"/>
-              </a:rPr>
-              <a:t>Labeeb</a:t>
-            </a:r>
-            <a:endParaRPr lang="en-US" sz="2400" dirty="0">
-              <a:solidFill>
-                <a:srgbClr val="29E8B2"/>
-              </a:solidFill>
-              <a:latin typeface="Agency FB" panose="020B0503020202020204" pitchFamily="34" charset="0"/>
-            </a:endParaRPr>
-          </a:p>
-          <a:p>
-            <a:r>
-              <a:rPr lang="en-US" sz="2800" dirty="0">
-                <a:solidFill>
-                  <a:srgbClr val="2D9A9D"/>
-                </a:solidFill>
-                <a:latin typeface="Agency FB" panose="020B0503020202020204" pitchFamily="34" charset="0"/>
-              </a:rPr>
-              <a:t>Technical Researcher</a:t>
-            </a:r>
-            <a:endParaRPr lang="en-US" sz="2000" dirty="0">
-              <a:solidFill>
-                <a:srgbClr val="2D9A9D"/>
-              </a:solidFill>
-              <a:latin typeface="Agency FB" panose="020B0503020202020204" pitchFamily="34" charset="0"/>
-            </a:endParaRPr>
-          </a:p>
-        </p:txBody>
-      </p:sp>
-      <p:sp>
-        <p:nvSpPr>
-          <p:cNvPr id="67" name="TextBox 66">
-            <a:extLst>
-              <a:ext uri="{FF2B5EF4-FFF2-40B4-BE49-F238E27FC236}">
-                <a16:creationId xmlns:a16="http://schemas.microsoft.com/office/drawing/2014/main" id="{27FB11CF-6903-4A0B-8D36-1E6A1C0B12EA}"/>
-              </a:ext>
-            </a:extLst>
-          </p:cNvPr>
-          <p:cNvSpPr txBox="1"/>
-          <p:nvPr/>
-        </p:nvSpPr>
-        <p:spPr>
-          <a:xfrm>
-            <a:off x="9564981" y="3871277"/>
-            <a:ext cx="2627019" cy="1323439"/>
-          </a:xfrm>
-          <a:prstGeom prst="rect">
-            <a:avLst/>
-          </a:prstGeom>
-          <a:noFill/>
-        </p:spPr>
-        <p:txBody>
-          <a:bodyPr wrap="square" rtlCol="0">
-            <a:spAutoFit/>
-          </a:bodyPr>
-          <a:lstStyle/>
-          <a:p>
-            <a:r>
-              <a:rPr lang="en-US" sz="2400" dirty="0">
-                <a:solidFill>
-                  <a:srgbClr val="29E8B2"/>
-                </a:solidFill>
-                <a:latin typeface="Agency FB" panose="020B0503020202020204" pitchFamily="34" charset="0"/>
-              </a:rPr>
-              <a:t>Soumyajit </a:t>
-            </a:r>
-            <a:r>
-              <a:rPr lang="en-US" sz="2400" dirty="0" err="1">
+              <a:rPr lang="en-US" sz="3600" dirty="0" err="1">
                 <a:solidFill>
                   <a:srgbClr val="29E8B2"/>
                 </a:solidFill>
@@ -9774,396 +9703,14 @@
               </a:rPr>
               <a:t>Dass</a:t>
             </a:r>
-            <a:endParaRPr lang="en-US" sz="2400" dirty="0">
-              <a:solidFill>
-                <a:srgbClr val="29E8B2"/>
-              </a:solidFill>
-              <a:latin typeface="Agency FB" panose="020B0503020202020204" pitchFamily="34" charset="0"/>
-            </a:endParaRPr>
-          </a:p>
-          <a:p>
             <a:r>
-              <a:rPr lang="en-US" sz="2800" b="1" dirty="0">
+              <a:rPr lang="en-US" sz="3600" dirty="0">
                 <a:solidFill>
                   <a:srgbClr val="2D9A9D"/>
                 </a:solidFill>
                 <a:latin typeface="Agency FB" panose="020B0503020202020204" pitchFamily="34" charset="0"/>
               </a:rPr>
-              <a:t>Project Supervisor</a:t>
-            </a:r>
-          </a:p>
-          <a:p>
-            <a:r>
-              <a:rPr lang="en-US" sz="2800" b="1" dirty="0">
-                <a:solidFill>
-                  <a:srgbClr val="2D9A9D"/>
-                </a:solidFill>
-                <a:latin typeface="Agency FB" panose="020B0503020202020204" pitchFamily="34" charset="0"/>
-              </a:rPr>
-              <a:t>Programming lead</a:t>
-            </a:r>
-          </a:p>
-        </p:txBody>
-      </p:sp>
-      <p:pic>
-        <p:nvPicPr>
-          <p:cNvPr id="2050" name="Picture 2" descr="Download Free PERSON PNG transparent background and clipart">
-            <a:extLst>
-              <a:ext uri="{FF2B5EF4-FFF2-40B4-BE49-F238E27FC236}">
-                <a16:creationId xmlns:a16="http://schemas.microsoft.com/office/drawing/2014/main" id="{432F0893-3EF0-4F40-846F-BBD5D6E34164}"/>
-              </a:ext>
-            </a:extLst>
-          </p:cNvPr>
-          <p:cNvPicPr>
-            <a:picLocks noChangeAspect="1" noChangeArrowheads="1"/>
-          </p:cNvPicPr>
-          <p:nvPr/>
-        </p:nvPicPr>
-        <p:blipFill>
-          <a:blip r:embed="rId3">
-            <a:extLst>
-              <a:ext uri="{28A0092B-C50C-407E-A947-70E740481C1C}">
-                <a14:useLocalDpi xmlns:a14="http://schemas.microsoft.com/office/drawing/2010/main" val="0"/>
-              </a:ext>
-            </a:extLst>
-          </a:blip>
-          <a:srcRect/>
-          <a:stretch>
-            <a:fillRect/>
-          </a:stretch>
-        </p:blipFill>
-        <p:spPr bwMode="auto">
-          <a:xfrm flipH="1">
-            <a:off x="419661" y="1044233"/>
-            <a:ext cx="1044046" cy="2578777"/>
-          </a:xfrm>
-          <a:prstGeom prst="rect">
-            <a:avLst/>
-          </a:prstGeom>
-          <a:noFill/>
-          <a:extLst>
-            <a:ext uri="{909E8E84-426E-40DD-AFC4-6F175D3DCCD1}">
-              <a14:hiddenFill xmlns:a14="http://schemas.microsoft.com/office/drawing/2010/main">
-                <a:solidFill>
-                  <a:srgbClr val="FFFFFF"/>
-                </a:solidFill>
-              </a14:hiddenFill>
-            </a:ext>
-          </a:extLst>
-        </p:spPr>
-      </p:pic>
-      <p:pic>
-        <p:nvPicPr>
-          <p:cNvPr id="13" name="Picture 2" descr="Download Free PERSON PNG transparent background and clipart">
-            <a:extLst>
-              <a:ext uri="{FF2B5EF4-FFF2-40B4-BE49-F238E27FC236}">
-                <a16:creationId xmlns:a16="http://schemas.microsoft.com/office/drawing/2014/main" id="{21FA5DF3-2FBF-4D0F-BF14-0B9634225B2E}"/>
-              </a:ext>
-            </a:extLst>
-          </p:cNvPr>
-          <p:cNvPicPr>
-            <a:picLocks noChangeAspect="1" noChangeArrowheads="1"/>
-          </p:cNvPicPr>
-          <p:nvPr/>
-        </p:nvPicPr>
-        <p:blipFill>
-          <a:blip r:embed="rId3">
-            <a:extLst>
-              <a:ext uri="{28A0092B-C50C-407E-A947-70E740481C1C}">
-                <a14:useLocalDpi xmlns:a14="http://schemas.microsoft.com/office/drawing/2010/main" val="0"/>
-              </a:ext>
-            </a:extLst>
-          </a:blip>
-          <a:srcRect/>
-          <a:stretch>
-            <a:fillRect/>
-          </a:stretch>
-        </p:blipFill>
-        <p:spPr bwMode="auto">
-          <a:xfrm flipH="1">
-            <a:off x="3571495" y="1127564"/>
-            <a:ext cx="1044046" cy="2578777"/>
-          </a:xfrm>
-          <a:prstGeom prst="rect">
-            <a:avLst/>
-          </a:prstGeom>
-          <a:noFill/>
-          <a:extLst>
-            <a:ext uri="{909E8E84-426E-40DD-AFC4-6F175D3DCCD1}">
-              <a14:hiddenFill xmlns:a14="http://schemas.microsoft.com/office/drawing/2010/main">
-                <a:solidFill>
-                  <a:srgbClr val="FFFFFF"/>
-                </a:solidFill>
-              </a14:hiddenFill>
-            </a:ext>
-          </a:extLst>
-        </p:spPr>
-      </p:pic>
-      <p:pic>
-        <p:nvPicPr>
-          <p:cNvPr id="14" name="Picture 2" descr="Download Free PERSON PNG transparent background and clipart">
-            <a:extLst>
-              <a:ext uri="{FF2B5EF4-FFF2-40B4-BE49-F238E27FC236}">
-                <a16:creationId xmlns:a16="http://schemas.microsoft.com/office/drawing/2014/main" id="{B96583F7-28F8-481F-980D-1DC7A9DBAE00}"/>
-              </a:ext>
-            </a:extLst>
-          </p:cNvPr>
-          <p:cNvPicPr>
-            <a:picLocks noChangeAspect="1" noChangeArrowheads="1"/>
-          </p:cNvPicPr>
-          <p:nvPr/>
-        </p:nvPicPr>
-        <p:blipFill>
-          <a:blip r:embed="rId3">
-            <a:extLst>
-              <a:ext uri="{28A0092B-C50C-407E-A947-70E740481C1C}">
-                <a14:useLocalDpi xmlns:a14="http://schemas.microsoft.com/office/drawing/2010/main" val="0"/>
-              </a:ext>
-            </a:extLst>
-          </a:blip>
-          <a:srcRect/>
-          <a:stretch>
-            <a:fillRect/>
-          </a:stretch>
-        </p:blipFill>
-        <p:spPr bwMode="auto">
-          <a:xfrm flipH="1">
-            <a:off x="6489795" y="1110319"/>
-            <a:ext cx="1058012" cy="2613269"/>
-          </a:xfrm>
-          <a:prstGeom prst="rect">
-            <a:avLst/>
-          </a:prstGeom>
-          <a:noFill/>
-          <a:extLst>
-            <a:ext uri="{909E8E84-426E-40DD-AFC4-6F175D3DCCD1}">
-              <a14:hiddenFill xmlns:a14="http://schemas.microsoft.com/office/drawing/2010/main">
-                <a:solidFill>
-                  <a:srgbClr val="FFFFFF"/>
-                </a:solidFill>
-              </a14:hiddenFill>
-            </a:ext>
-          </a:extLst>
-        </p:spPr>
-      </p:pic>
-      <p:pic>
-        <p:nvPicPr>
-          <p:cNvPr id="15" name="Picture 2" descr="Download Free PERSON PNG transparent background and clipart">
-            <a:extLst>
-              <a:ext uri="{FF2B5EF4-FFF2-40B4-BE49-F238E27FC236}">
-                <a16:creationId xmlns:a16="http://schemas.microsoft.com/office/drawing/2014/main" id="{3B954893-F3FA-45E9-872E-BC81C4ECA0BF}"/>
-              </a:ext>
-            </a:extLst>
-          </p:cNvPr>
-          <p:cNvPicPr>
-            <a:picLocks noChangeAspect="1" noChangeArrowheads="1"/>
-          </p:cNvPicPr>
-          <p:nvPr/>
-        </p:nvPicPr>
-        <p:blipFill>
-          <a:blip r:embed="rId3">
-            <a:extLst>
-              <a:ext uri="{28A0092B-C50C-407E-A947-70E740481C1C}">
-                <a14:useLocalDpi xmlns:a14="http://schemas.microsoft.com/office/drawing/2010/main" val="0"/>
-              </a:ext>
-            </a:extLst>
-          </a:blip>
-          <a:srcRect/>
-          <a:stretch>
-            <a:fillRect/>
-          </a:stretch>
-        </p:blipFill>
-        <p:spPr bwMode="auto">
-          <a:xfrm flipH="1">
-            <a:off x="9944084" y="1077272"/>
-            <a:ext cx="1058013" cy="2613275"/>
-          </a:xfrm>
-          <a:prstGeom prst="rect">
-            <a:avLst/>
-          </a:prstGeom>
-          <a:noFill/>
-          <a:extLst>
-            <a:ext uri="{909E8E84-426E-40DD-AFC4-6F175D3DCCD1}">
-              <a14:hiddenFill xmlns:a14="http://schemas.microsoft.com/office/drawing/2010/main">
-                <a:solidFill>
-                  <a:srgbClr val="FFFFFF"/>
-                </a:solidFill>
-              </a14:hiddenFill>
-            </a:ext>
-          </a:extLst>
-        </p:spPr>
-      </p:pic>
-      <p:sp>
-        <p:nvSpPr>
-          <p:cNvPr id="12" name="TextBox 11">
-            <a:extLst>
-              <a:ext uri="{FF2B5EF4-FFF2-40B4-BE49-F238E27FC236}">
-                <a16:creationId xmlns:a16="http://schemas.microsoft.com/office/drawing/2014/main" id="{785AD39D-C32C-4B79-97FF-B52FF228C658}"/>
-              </a:ext>
-            </a:extLst>
-          </p:cNvPr>
-          <p:cNvSpPr txBox="1"/>
-          <p:nvPr/>
-        </p:nvSpPr>
-        <p:spPr>
-          <a:xfrm>
-            <a:off x="10270702" y="3321215"/>
-            <a:ext cx="2303193" cy="369332"/>
-          </a:xfrm>
-          <a:prstGeom prst="rect">
-            <a:avLst/>
-          </a:prstGeom>
-          <a:noFill/>
-        </p:spPr>
-        <p:txBody>
-          <a:bodyPr wrap="square" rtlCol="0">
-            <a:spAutoFit/>
-          </a:bodyPr>
-          <a:lstStyle/>
-          <a:p>
-            <a:r>
-              <a:rPr lang="en-US" b="1" dirty="0">
-                <a:solidFill>
-                  <a:srgbClr val="EEFDFA"/>
-                </a:solidFill>
-                <a:latin typeface="Agency FB" panose="020B0503020202020204" pitchFamily="34" charset="0"/>
-              </a:rPr>
-              <a:t>GitHub/Soumyajit01</a:t>
-            </a:r>
-          </a:p>
-        </p:txBody>
-      </p:sp>
-      <p:sp>
-        <p:nvSpPr>
-          <p:cNvPr id="16" name="TextBox 15">
-            <a:extLst>
-              <a:ext uri="{FF2B5EF4-FFF2-40B4-BE49-F238E27FC236}">
-                <a16:creationId xmlns:a16="http://schemas.microsoft.com/office/drawing/2014/main" id="{AD215D01-3185-468B-9F81-13B01CAE78D2}"/>
-              </a:ext>
-            </a:extLst>
-          </p:cNvPr>
-          <p:cNvSpPr txBox="1"/>
-          <p:nvPr/>
-        </p:nvSpPr>
-        <p:spPr>
-          <a:xfrm>
-            <a:off x="4205850" y="3321215"/>
-            <a:ext cx="1771138" cy="369332"/>
-          </a:xfrm>
-          <a:prstGeom prst="rect">
-            <a:avLst/>
-          </a:prstGeom>
-          <a:noFill/>
-        </p:spPr>
-        <p:txBody>
-          <a:bodyPr wrap="square" rtlCol="0">
-            <a:spAutoFit/>
-          </a:bodyPr>
-          <a:lstStyle/>
-          <a:p>
-            <a:r>
-              <a:rPr lang="en-US" b="1" dirty="0">
-                <a:solidFill>
-                  <a:srgbClr val="EEFDFA"/>
-                </a:solidFill>
-                <a:latin typeface="Agency FB" panose="020B0503020202020204" pitchFamily="34" charset="0"/>
-              </a:rPr>
-              <a:t>GitHub/</a:t>
-            </a:r>
-            <a:r>
-              <a:rPr lang="en-US" b="1" dirty="0" err="1">
-                <a:solidFill>
-                  <a:srgbClr val="EEFDFA"/>
-                </a:solidFill>
-                <a:latin typeface="Agency FB" panose="020B0503020202020204" pitchFamily="34" charset="0"/>
-              </a:rPr>
-              <a:t>PritishDash</a:t>
-            </a:r>
-            <a:endParaRPr lang="en-US" b="1" dirty="0">
-              <a:solidFill>
-                <a:srgbClr val="EEFDFA"/>
-              </a:solidFill>
-              <a:latin typeface="Agency FB" panose="020B0503020202020204" pitchFamily="34" charset="0"/>
-            </a:endParaRPr>
-          </a:p>
-        </p:txBody>
-      </p:sp>
-      <p:sp>
-        <p:nvSpPr>
-          <p:cNvPr id="17" name="TextBox 16">
-            <a:extLst>
-              <a:ext uri="{FF2B5EF4-FFF2-40B4-BE49-F238E27FC236}">
-                <a16:creationId xmlns:a16="http://schemas.microsoft.com/office/drawing/2014/main" id="{254C1D3B-AE3C-42FD-84D8-C052803BDE15}"/>
-              </a:ext>
-            </a:extLst>
-          </p:cNvPr>
-          <p:cNvSpPr txBox="1"/>
-          <p:nvPr/>
-        </p:nvSpPr>
-        <p:spPr>
-          <a:xfrm>
-            <a:off x="1054016" y="3263629"/>
-            <a:ext cx="1771138" cy="369332"/>
-          </a:xfrm>
-          <a:prstGeom prst="rect">
-            <a:avLst/>
-          </a:prstGeom>
-          <a:noFill/>
-        </p:spPr>
-        <p:txBody>
-          <a:bodyPr wrap="square" rtlCol="0">
-            <a:spAutoFit/>
-          </a:bodyPr>
-          <a:lstStyle/>
-          <a:p>
-            <a:r>
-              <a:rPr lang="en-US" b="1" dirty="0">
-                <a:solidFill>
-                  <a:srgbClr val="EEFDFA"/>
-                </a:solidFill>
-                <a:latin typeface="Agency FB" panose="020B0503020202020204" pitchFamily="34" charset="0"/>
-              </a:rPr>
-              <a:t>GitHub/</a:t>
-            </a:r>
-          </a:p>
-        </p:txBody>
-      </p:sp>
-      <p:sp>
-        <p:nvSpPr>
-          <p:cNvPr id="18" name="TextBox 17">
-            <a:extLst>
-              <a:ext uri="{FF2B5EF4-FFF2-40B4-BE49-F238E27FC236}">
-                <a16:creationId xmlns:a16="http://schemas.microsoft.com/office/drawing/2014/main" id="{8EF6DDBA-6AB5-425E-89EA-FD020555CB06}"/>
-              </a:ext>
-            </a:extLst>
-          </p:cNvPr>
-          <p:cNvSpPr txBox="1"/>
-          <p:nvPr/>
-        </p:nvSpPr>
-        <p:spPr>
-          <a:xfrm>
-            <a:off x="6965673" y="3354256"/>
-            <a:ext cx="1771138" cy="369332"/>
-          </a:xfrm>
-          <a:prstGeom prst="rect">
-            <a:avLst/>
-          </a:prstGeom>
-          <a:noFill/>
-        </p:spPr>
-        <p:txBody>
-          <a:bodyPr wrap="square" rtlCol="0">
-            <a:spAutoFit/>
-          </a:bodyPr>
-          <a:lstStyle/>
-          <a:p>
-            <a:r>
-              <a:rPr lang="en-US" b="1" dirty="0">
-                <a:solidFill>
-                  <a:srgbClr val="EEFDFA"/>
-                </a:solidFill>
-                <a:latin typeface="Agency FB" panose="020B0503020202020204" pitchFamily="34" charset="0"/>
-              </a:rPr>
-              <a:t>GitHub/</a:t>
+              <a:t>: Project Supervisor; Programming lead;</a:t>
             </a:r>
           </a:p>
         </p:txBody>
@@ -14043,7 +13590,7 @@
                 </a:effectLst>
                 <a:latin typeface="Agency FB" panose="020B0503020202020204" pitchFamily="34" charset="0"/>
               </a:rPr>
-              <a:t>Current Scenario VS 2030</a:t>
+              <a:t>Current Scenario VS the future</a:t>
             </a:r>
             <a:endParaRPr lang="en-US" sz="4000" b="1" dirty="0">
               <a:solidFill>
@@ -17147,7 +16694,7 @@
                 </a:solidFill>
                 <a:latin typeface="Agency FB" panose="020B0503020202020204" pitchFamily="34" charset="0"/>
               </a:rPr>
-              <a:t>Rs. 6200</a:t>
+              <a:t>Rs. 6500</a:t>
             </a:r>
           </a:p>
         </p:txBody>
